--- a/Presentation1.pptx
+++ b/Presentation1.pptx
@@ -263,7 +263,7 @@
           <a:p>
             <a:fld id="{56C42370-CEB5-44CD-9DC9-31A3545D555A}" type="datetimeFigureOut">
               <a:rPr lang="en-GB" smtClean="0"/>
-              <a:t>03/07/2022</a:t>
+              <a:t>04/07/2022</a:t>
             </a:fld>
             <a:endParaRPr lang="en-GB"/>
           </a:p>
@@ -461,7 +461,7 @@
           <a:p>
             <a:fld id="{56C42370-CEB5-44CD-9DC9-31A3545D555A}" type="datetimeFigureOut">
               <a:rPr lang="en-GB" smtClean="0"/>
-              <a:t>03/07/2022</a:t>
+              <a:t>04/07/2022</a:t>
             </a:fld>
             <a:endParaRPr lang="en-GB"/>
           </a:p>
@@ -669,7 +669,7 @@
           <a:p>
             <a:fld id="{56C42370-CEB5-44CD-9DC9-31A3545D555A}" type="datetimeFigureOut">
               <a:rPr lang="en-GB" smtClean="0"/>
-              <a:t>03/07/2022</a:t>
+              <a:t>04/07/2022</a:t>
             </a:fld>
             <a:endParaRPr lang="en-GB"/>
           </a:p>
@@ -867,7 +867,7 @@
           <a:p>
             <a:fld id="{56C42370-CEB5-44CD-9DC9-31A3545D555A}" type="datetimeFigureOut">
               <a:rPr lang="en-GB" smtClean="0"/>
-              <a:t>03/07/2022</a:t>
+              <a:t>04/07/2022</a:t>
             </a:fld>
             <a:endParaRPr lang="en-GB"/>
           </a:p>
@@ -1142,7 +1142,7 @@
           <a:p>
             <a:fld id="{56C42370-CEB5-44CD-9DC9-31A3545D555A}" type="datetimeFigureOut">
               <a:rPr lang="en-GB" smtClean="0"/>
-              <a:t>03/07/2022</a:t>
+              <a:t>04/07/2022</a:t>
             </a:fld>
             <a:endParaRPr lang="en-GB"/>
           </a:p>
@@ -1407,7 +1407,7 @@
           <a:p>
             <a:fld id="{56C42370-CEB5-44CD-9DC9-31A3545D555A}" type="datetimeFigureOut">
               <a:rPr lang="en-GB" smtClean="0"/>
-              <a:t>03/07/2022</a:t>
+              <a:t>04/07/2022</a:t>
             </a:fld>
             <a:endParaRPr lang="en-GB"/>
           </a:p>
@@ -1819,7 +1819,7 @@
           <a:p>
             <a:fld id="{56C42370-CEB5-44CD-9DC9-31A3545D555A}" type="datetimeFigureOut">
               <a:rPr lang="en-GB" smtClean="0"/>
-              <a:t>03/07/2022</a:t>
+              <a:t>04/07/2022</a:t>
             </a:fld>
             <a:endParaRPr lang="en-GB"/>
           </a:p>
@@ -1960,7 +1960,7 @@
           <a:p>
             <a:fld id="{56C42370-CEB5-44CD-9DC9-31A3545D555A}" type="datetimeFigureOut">
               <a:rPr lang="en-GB" smtClean="0"/>
-              <a:t>03/07/2022</a:t>
+              <a:t>04/07/2022</a:t>
             </a:fld>
             <a:endParaRPr lang="en-GB"/>
           </a:p>
@@ -2073,7 +2073,7 @@
           <a:p>
             <a:fld id="{56C42370-CEB5-44CD-9DC9-31A3545D555A}" type="datetimeFigureOut">
               <a:rPr lang="en-GB" smtClean="0"/>
-              <a:t>03/07/2022</a:t>
+              <a:t>04/07/2022</a:t>
             </a:fld>
             <a:endParaRPr lang="en-GB"/>
           </a:p>
@@ -2384,7 +2384,7 @@
           <a:p>
             <a:fld id="{56C42370-CEB5-44CD-9DC9-31A3545D555A}" type="datetimeFigureOut">
               <a:rPr lang="en-GB" smtClean="0"/>
-              <a:t>03/07/2022</a:t>
+              <a:t>04/07/2022</a:t>
             </a:fld>
             <a:endParaRPr lang="en-GB"/>
           </a:p>
@@ -2672,7 +2672,7 @@
           <a:p>
             <a:fld id="{56C42370-CEB5-44CD-9DC9-31A3545D555A}" type="datetimeFigureOut">
               <a:rPr lang="en-GB" smtClean="0"/>
-              <a:t>03/07/2022</a:t>
+              <a:t>04/07/2022</a:t>
             </a:fld>
             <a:endParaRPr lang="en-GB"/>
           </a:p>
@@ -2913,7 +2913,7 @@
           <a:p>
             <a:fld id="{56C42370-CEB5-44CD-9DC9-31A3545D555A}" type="datetimeFigureOut">
               <a:rPr lang="en-GB" smtClean="0"/>
-              <a:t>03/07/2022</a:t>
+              <a:t>04/07/2022</a:t>
             </a:fld>
             <a:endParaRPr lang="en-GB"/>
           </a:p>
@@ -4276,6 +4276,13 @@
   <p:clrMapOvr>
     <a:masterClrMapping/>
   </p:clrMapOvr>
+  <p:timing>
+    <p:tnLst>
+      <p:par>
+        <p:cTn id="1" dur="indefinite" restart="never" nodeType="tmRoot"/>
+      </p:par>
+    </p:tnLst>
+  </p:timing>
 </p:sld>
 </file>
 
@@ -4503,8 +4510,8 @@
         </p:nvSpPr>
         <p:spPr>
           <a:xfrm>
-            <a:off x="407624" y="4043190"/>
-            <a:ext cx="11182121" cy="1297505"/>
+            <a:off x="407624" y="3678762"/>
+            <a:ext cx="11182121" cy="1661933"/>
           </a:xfrm>
           <a:prstGeom prst="rect">
             <a:avLst/>
@@ -5007,7 +5014,7 @@
         </p:nvSpPr>
         <p:spPr>
           <a:xfrm>
-            <a:off x="7297289" y="4034004"/>
+            <a:off x="7297711" y="3811668"/>
             <a:ext cx="461665" cy="1396122"/>
           </a:xfrm>
           <a:prstGeom prst="rect">
@@ -5152,6 +5159,13 @@
   <p:clrMapOvr>
     <a:masterClrMapping/>
   </p:clrMapOvr>
+  <p:timing>
+    <p:tnLst>
+      <p:par>
+        <p:cTn id="1" dur="indefinite" restart="never" nodeType="tmRoot"/>
+      </p:par>
+    </p:tnLst>
+  </p:timing>
 </p:sld>
 </file>
 
@@ -5572,7 +5586,7 @@
         </p:nvCxnSpPr>
         <p:spPr>
           <a:xfrm flipV="1">
-            <a:off x="4426944" y="2831334"/>
+            <a:off x="4426944" y="2834509"/>
             <a:ext cx="0" cy="936436"/>
           </a:xfrm>
           <a:prstGeom prst="line">
@@ -5776,7 +5790,7 @@
         </p:nvCxnSpPr>
         <p:spPr>
           <a:xfrm>
-            <a:off x="749147" y="2831334"/>
+            <a:off x="749147" y="2828159"/>
             <a:ext cx="0" cy="934598"/>
           </a:xfrm>
           <a:prstGeom prst="line">
@@ -6347,13 +6361,12 @@
           </p:cNvPr>
           <p:cNvCxnSpPr>
             <a:cxnSpLocks/>
-            <a:endCxn id="44" idx="0"/>
           </p:cNvCxnSpPr>
           <p:nvPr/>
         </p:nvCxnSpPr>
         <p:spPr>
           <a:xfrm>
-            <a:off x="1379231" y="4838700"/>
+            <a:off x="1381612" y="4838700"/>
             <a:ext cx="1" cy="714375"/>
           </a:xfrm>
           <a:prstGeom prst="line">
@@ -6460,14 +6473,12 @@
               </a:ext>
             </a:extLst>
           </p:cNvPr>
-          <p:cNvCxnSpPr>
-            <a:stCxn id="7" idx="2"/>
-          </p:cNvCxnSpPr>
+          <p:cNvCxnSpPr/>
           <p:nvPr/>
         </p:nvCxnSpPr>
         <p:spPr>
           <a:xfrm>
-            <a:off x="11083888" y="1894899"/>
+            <a:off x="11090429" y="1894899"/>
             <a:ext cx="3212" cy="676851"/>
           </a:xfrm>
           <a:prstGeom prst="line">
@@ -6505,7 +6516,7 @@
         </p:nvCxnSpPr>
         <p:spPr>
           <a:xfrm flipH="1">
-            <a:off x="7261031" y="2581275"/>
+            <a:off x="7261031" y="2574925"/>
             <a:ext cx="3826069" cy="0"/>
           </a:xfrm>
           <a:prstGeom prst="line">
@@ -6715,7 +6726,7 @@
         </p:nvCxnSpPr>
         <p:spPr>
           <a:xfrm flipV="1">
-            <a:off x="11083891" y="2581275"/>
+            <a:off x="11083891" y="2578100"/>
             <a:ext cx="0" cy="729294"/>
           </a:xfrm>
           <a:prstGeom prst="line">
@@ -6747,6 +6758,13 @@
   <p:clrMapOvr>
     <a:masterClrMapping/>
   </p:clrMapOvr>
+  <p:timing>
+    <p:tnLst>
+      <p:par>
+        <p:cTn id="1" dur="indefinite" restart="never" nodeType="tmRoot"/>
+      </p:par>
+    </p:tnLst>
+  </p:timing>
 </p:sld>
 </file>
 
@@ -7591,7 +7609,7 @@
           <p:nvPr/>
         </p:nvPicPr>
         <p:blipFill>
-          <a:blip r:embed="rId2">
+          <a:blip r:embed="rId2" cstate="hqprint">
             <a:extLst>
               <a:ext uri="{28A0092B-C50C-407E-A947-70E740481C1C}">
                 <a14:useLocalDpi xmlns:a14="http://schemas.microsoft.com/office/drawing/2010/main" val="0"/>
@@ -7622,6 +7640,13 @@
   <p:clrMapOvr>
     <a:masterClrMapping/>
   </p:clrMapOvr>
+  <p:timing>
+    <p:tnLst>
+      <p:par>
+        <p:cTn id="1" dur="indefinite" restart="never" nodeType="tmRoot"/>
+      </p:par>
+    </p:tnLst>
+  </p:timing>
 </p:sld>
 </file>
 
@@ -8109,6 +8134,13 @@
   <p:clrMapOvr>
     <a:masterClrMapping/>
   </p:clrMapOvr>
+  <p:timing>
+    <p:tnLst>
+      <p:par>
+        <p:cTn id="1" dur="indefinite" restart="never" nodeType="tmRoot"/>
+      </p:par>
+    </p:tnLst>
+  </p:timing>
 </p:sld>
 </file>
 
